--- a/2025-Q3/Unity10/2025-09-07-Unity10.pptx
+++ b/2025-Q3/Unity10/2025-09-07-Unity10.pptx
@@ -17,7 +17,7 @@
     <p:sldId id="588" r:id="rId8"/>
   </p:sldIdLst>
   <p:sldSz cx="9144000" cy="6858000" type="screen4x3"/>
-  <p:notesSz cx="7315200" cy="9601200"/>
+  <p:notesSz cx="7099300" cy="9385300"/>
   <p:defaultTextStyle>
     <a:defPPr>
       <a:defRPr lang="en-US"/>
@@ -211,15 +211,15 @@
         </p:nvSpPr>
         <p:spPr>
           <a:xfrm>
-            <a:off x="1" y="1"/>
-            <a:ext cx="3169921" cy="480060"/>
+            <a:off x="2" y="1"/>
+            <a:ext cx="3076364" cy="469265"/>
           </a:xfrm>
           <a:prstGeom prst="rect">
             <a:avLst/>
           </a:prstGeom>
         </p:spPr>
         <p:txBody>
-          <a:bodyPr vert="horz" wrap="square" lIns="96559" tIns="48280" rIns="96559" bIns="48280" numCol="1" anchor="t" anchorCtr="0" compatLnSpc="1">
+          <a:bodyPr vert="horz" wrap="square" lIns="94087" tIns="47044" rIns="94087" bIns="47044" numCol="1" anchor="t" anchorCtr="0" compatLnSpc="1">
             <a:prstTxWarp prst="textNoShape">
               <a:avLst/>
             </a:prstTxWarp>
@@ -252,15 +252,15 @@
         </p:nvSpPr>
         <p:spPr>
           <a:xfrm>
-            <a:off x="4143588" y="1"/>
-            <a:ext cx="3169921" cy="480060"/>
+            <a:off x="4021295" y="1"/>
+            <a:ext cx="3076364" cy="469265"/>
           </a:xfrm>
           <a:prstGeom prst="rect">
             <a:avLst/>
           </a:prstGeom>
         </p:spPr>
         <p:txBody>
-          <a:bodyPr vert="horz" wrap="square" lIns="96559" tIns="48280" rIns="96559" bIns="48280" numCol="1" anchor="t" anchorCtr="0" compatLnSpc="1">
+          <a:bodyPr vert="horz" wrap="square" lIns="94087" tIns="47044" rIns="94087" bIns="47044" numCol="1" anchor="t" anchorCtr="0" compatLnSpc="1">
             <a:prstTxWarp prst="textNoShape">
               <a:avLst/>
             </a:prstTxWarp>
@@ -282,7 +282,7 @@
               <a:pPr>
                 <a:defRPr/>
               </a:pPr>
-              <a:t>9/6/2025</a:t>
+              <a:t>9/7/2025</a:t>
             </a:fld>
             <a:endParaRPr lang="en-US"/>
           </a:p>
@@ -300,8 +300,8 @@
         </p:nvSpPr>
         <p:spPr>
           <a:xfrm>
-            <a:off x="1257300" y="720725"/>
-            <a:ext cx="4800600" cy="3600450"/>
+            <a:off x="1203325" y="704850"/>
+            <a:ext cx="4692650" cy="3519488"/>
           </a:xfrm>
           <a:prstGeom prst="rect">
             <a:avLst/>
@@ -314,7 +314,7 @@
           </a:ln>
         </p:spPr>
         <p:txBody>
-          <a:bodyPr vert="horz" wrap="square" lIns="96559" tIns="48280" rIns="96559" bIns="48280" numCol="1" anchor="ctr" anchorCtr="0" compatLnSpc="1">
+          <a:bodyPr vert="horz" wrap="square" lIns="94087" tIns="47044" rIns="94087" bIns="47044" numCol="1" anchor="ctr" anchorCtr="0" compatLnSpc="1">
             <a:prstTxWarp prst="textNoShape">
               <a:avLst/>
             </a:prstTxWarp>
@@ -338,15 +338,15 @@
         </p:nvSpPr>
         <p:spPr>
           <a:xfrm>
-            <a:off x="731521" y="4560571"/>
-            <a:ext cx="5852160" cy="4320540"/>
+            <a:off x="709931" y="4458018"/>
+            <a:ext cx="5679440" cy="4223385"/>
           </a:xfrm>
           <a:prstGeom prst="rect">
             <a:avLst/>
           </a:prstGeom>
         </p:spPr>
         <p:txBody>
-          <a:bodyPr vert="horz" wrap="square" lIns="96559" tIns="48280" rIns="96559" bIns="48280" numCol="1" anchor="t" anchorCtr="0" compatLnSpc="1">
+          <a:bodyPr vert="horz" wrap="square" lIns="94087" tIns="47044" rIns="94087" bIns="47044" numCol="1" anchor="t" anchorCtr="0" compatLnSpc="1">
             <a:prstTxWarp prst="textNoShape">
               <a:avLst/>
             </a:prstTxWarp>
@@ -402,15 +402,15 @@
         </p:nvSpPr>
         <p:spPr>
           <a:xfrm>
-            <a:off x="1" y="9119474"/>
-            <a:ext cx="3169921" cy="480060"/>
+            <a:off x="2" y="8914406"/>
+            <a:ext cx="3076364" cy="469265"/>
           </a:xfrm>
           <a:prstGeom prst="rect">
             <a:avLst/>
           </a:prstGeom>
         </p:spPr>
         <p:txBody>
-          <a:bodyPr vert="horz" wrap="square" lIns="96559" tIns="48280" rIns="96559" bIns="48280" numCol="1" anchor="b" anchorCtr="0" compatLnSpc="1">
+          <a:bodyPr vert="horz" wrap="square" lIns="94087" tIns="47044" rIns="94087" bIns="47044" numCol="1" anchor="b" anchorCtr="0" compatLnSpc="1">
             <a:prstTxWarp prst="textNoShape">
               <a:avLst/>
             </a:prstTxWarp>
@@ -443,15 +443,15 @@
         </p:nvSpPr>
         <p:spPr>
           <a:xfrm>
-            <a:off x="4143588" y="9119474"/>
-            <a:ext cx="3169921" cy="480060"/>
+            <a:off x="4021295" y="8914406"/>
+            <a:ext cx="3076364" cy="469265"/>
           </a:xfrm>
           <a:prstGeom prst="rect">
             <a:avLst/>
           </a:prstGeom>
         </p:spPr>
         <p:txBody>
-          <a:bodyPr vert="horz" wrap="square" lIns="96559" tIns="48280" rIns="96559" bIns="48280" numCol="1" anchor="b" anchorCtr="0" compatLnSpc="1">
+          <a:bodyPr vert="horz" wrap="square" lIns="94087" tIns="47044" rIns="94087" bIns="47044" numCol="1" anchor="b" anchorCtr="0" compatLnSpc="1">
             <a:prstTxWarp prst="textNoShape">
               <a:avLst/>
             </a:prstTxWarp>
@@ -1088,7 +1088,7 @@
             <a:endParaRPr lang="en-US" sz="1400" dirty="0"/>
           </a:p>
           <a:p>
-            <a:pPr defTabSz="938266"/>
+            <a:pPr defTabSz="914246"/>
             <a:r>
               <a:rPr lang="en-US" sz="1400" b="1" dirty="0"/>
               <a:t>1Co 12:18-27  </a:t>
@@ -6407,7 +6407,7 @@
           <a:p>
             <a:r>
               <a:rPr lang="en-US" dirty="0"/>
-              <a:t>Narcissism                                       (1)</a:t>
+              <a:t>A Cultural Plague                             (1)</a:t>
             </a:r>
             <a:br>
               <a:rPr lang="en-US" dirty="0"/>
@@ -6421,7 +6421,7 @@
                   </a:schemeClr>
                 </a:solidFill>
               </a:rPr>
-              <a:t>A Cultural Plague</a:t>
+              <a:t>Romans 12:3 – Don’t think more highly of yourself than you ought to…</a:t>
             </a:r>
             <a:endParaRPr lang="en-US" sz="2400" dirty="0">
               <a:solidFill>
@@ -6945,7 +6945,7 @@
           <a:p>
             <a:r>
               <a:rPr lang="en-US" dirty="0"/>
-              <a:t>Narcissism                                       (2)</a:t>
+              <a:t>A Cultural Plague                             (2)</a:t>
             </a:r>
             <a:br>
               <a:rPr lang="en-US" dirty="0"/>
@@ -6959,7 +6959,7 @@
                   </a:schemeClr>
                 </a:solidFill>
               </a:rPr>
-              <a:t>A Cultural Plague</a:t>
+              <a:t>Romans 12:3 – Don’t think more highly of yourself than you ought to…</a:t>
             </a:r>
             <a:endParaRPr lang="en-US" sz="2400" dirty="0">
               <a:solidFill>
